--- a/미니테스트_데이터_분석_표현.pptx
+++ b/미니테스트_데이터_분석_표현.pptx
@@ -8,6 +8,7 @@
     <p:sldId id="256" r:id="rId2"/>
     <p:sldId id="257" r:id="rId3"/>
     <p:sldId id="258" r:id="rId4"/>
+    <p:sldId id="259" r:id="rId5"/>
   </p:sldIdLst>
   <p:sldSz cx="6858000" cy="9906000" type="A4"/>
   <p:notesSz cx="6858000" cy="9144000"/>
@@ -3425,6 +3426,124 @@
 </p:sld>
 </file>
 
+<file path=ppt/slides/slide4.xml><?xml version="1.0" encoding="utf-8"?>
+<p:sld xmlns:a="http://schemas.openxmlformats.org/drawingml/2006/main" xmlns:r="http://schemas.openxmlformats.org/officeDocument/2006/relationships" xmlns:p="http://schemas.openxmlformats.org/presentationml/2006/main">
+  <p:cSld>
+    <p:spTree>
+      <p:nvGrpSpPr>
+        <p:cNvPr id="1" name=""/>
+        <p:cNvGrpSpPr/>
+        <p:nvPr/>
+      </p:nvGrpSpPr>
+      <p:grpSpPr>
+        <a:xfrm>
+          <a:off x="0" y="0"/>
+          <a:ext cx="0" cy="0"/>
+          <a:chOff x="0" y="0"/>
+          <a:chExt cx="0" cy="0"/>
+        </a:xfrm>
+      </p:grpSpPr>
+      <p:pic>
+        <p:nvPicPr>
+          <p:cNvPr id="2" name="그림 1">
+            <a:extLst>
+              <a:ext uri="{FF2B5EF4-FFF2-40B4-BE49-F238E27FC236}">
+                <a16:creationId xmlns:a16="http://schemas.microsoft.com/office/drawing/2014/main" id="{BB6F007B-DEA3-4F2E-A5FB-726A755BD82E}"/>
+              </a:ext>
+            </a:extLst>
+          </p:cNvPr>
+          <p:cNvPicPr>
+            <a:picLocks noChangeAspect="1"/>
+          </p:cNvPicPr>
+          <p:nvPr/>
+        </p:nvPicPr>
+        <p:blipFill>
+          <a:blip r:embed="rId2"/>
+          <a:stretch>
+            <a:fillRect/>
+          </a:stretch>
+        </p:blipFill>
+        <p:spPr>
+          <a:xfrm>
+            <a:off x="0" y="482278"/>
+            <a:ext cx="6858000" cy="4470722"/>
+          </a:xfrm>
+          <a:prstGeom prst="rect">
+            <a:avLst/>
+          </a:prstGeom>
+        </p:spPr>
+      </p:pic>
+      <p:sp>
+        <p:nvSpPr>
+          <p:cNvPr id="3" name="TextBox 2">
+            <a:extLst>
+              <a:ext uri="{FF2B5EF4-FFF2-40B4-BE49-F238E27FC236}">
+                <a16:creationId xmlns:a16="http://schemas.microsoft.com/office/drawing/2014/main" id="{46B8273E-33E3-4567-AABA-CE391381EA60}"/>
+              </a:ext>
+            </a:extLst>
+          </p:cNvPr>
+          <p:cNvSpPr txBox="1"/>
+          <p:nvPr/>
+        </p:nvSpPr>
+        <p:spPr>
+          <a:xfrm>
+            <a:off x="2895600" y="1173480"/>
+            <a:ext cx="3284220" cy="369332"/>
+          </a:xfrm>
+          <a:prstGeom prst="rect">
+            <a:avLst/>
+          </a:prstGeom>
+          <a:noFill/>
+        </p:spPr>
+        <p:txBody>
+          <a:bodyPr wrap="square" rtlCol="0">
+            <a:spAutoFit/>
+          </a:bodyPr>
+          <a:lstStyle/>
+          <a:p>
+            <a:r>
+              <a:rPr lang="ko-KR" altLang="en-US" dirty="0">
+                <a:solidFill>
+                  <a:schemeClr val="accent2">
+                    <a:lumMod val="75000"/>
+                  </a:schemeClr>
+                </a:solidFill>
+              </a:rPr>
+              <a:t>테마 설정과는 관련 없다</a:t>
+            </a:r>
+            <a:r>
+              <a:rPr lang="en-US" altLang="ko-KR" dirty="0">
+                <a:solidFill>
+                  <a:schemeClr val="accent2">
+                    <a:lumMod val="75000"/>
+                  </a:schemeClr>
+                </a:solidFill>
+              </a:rPr>
+              <a:t>.</a:t>
+            </a:r>
+            <a:endParaRPr lang="ko-KR" altLang="en-US" dirty="0">
+              <a:solidFill>
+                <a:schemeClr val="accent2">
+                  <a:lumMod val="75000"/>
+                </a:schemeClr>
+              </a:solidFill>
+            </a:endParaRPr>
+          </a:p>
+        </p:txBody>
+      </p:sp>
+    </p:spTree>
+    <p:extLst>
+      <p:ext uri="{BB962C8B-B14F-4D97-AF65-F5344CB8AC3E}">
+        <p14:creationId xmlns:p14="http://schemas.microsoft.com/office/powerpoint/2010/main" val="990365737"/>
+      </p:ext>
+    </p:extLst>
+  </p:cSld>
+  <p:clrMapOvr>
+    <a:masterClrMapping/>
+  </p:clrMapOvr>
+</p:sld>
+</file>
+
 <file path=ppt/theme/theme1.xml><?xml version="1.0" encoding="utf-8"?>
 <a:theme xmlns:a="http://schemas.openxmlformats.org/drawingml/2006/main" name="Office 테마">
   <a:themeElements>

--- a/미니테스트_데이터_분석_표현.pptx
+++ b/미니테스트_데이터_분석_표현.pptx
@@ -362,7 +362,7 @@
           <a:p>
             <a:fld id="{0ED5DC20-0B7E-449F-A920-F729EA35E601}" type="datetimeFigureOut">
               <a:rPr lang="ko-KR" altLang="en-US" smtClean="0"/>
-              <a:t>2023-10-24</a:t>
+              <a:t>2023-10-25</a:t>
             </a:fld>
             <a:endParaRPr lang="ko-KR" altLang="en-US"/>
           </a:p>
@@ -532,7 +532,7 @@
           <a:p>
             <a:fld id="{0ED5DC20-0B7E-449F-A920-F729EA35E601}" type="datetimeFigureOut">
               <a:rPr lang="ko-KR" altLang="en-US" smtClean="0"/>
-              <a:t>2023-10-24</a:t>
+              <a:t>2023-10-25</a:t>
             </a:fld>
             <a:endParaRPr lang="ko-KR" altLang="en-US"/>
           </a:p>
@@ -712,7 +712,7 @@
           <a:p>
             <a:fld id="{0ED5DC20-0B7E-449F-A920-F729EA35E601}" type="datetimeFigureOut">
               <a:rPr lang="ko-KR" altLang="en-US" smtClean="0"/>
-              <a:t>2023-10-24</a:t>
+              <a:t>2023-10-25</a:t>
             </a:fld>
             <a:endParaRPr lang="ko-KR" altLang="en-US"/>
           </a:p>
@@ -882,7 +882,7 @@
           <a:p>
             <a:fld id="{0ED5DC20-0B7E-449F-A920-F729EA35E601}" type="datetimeFigureOut">
               <a:rPr lang="ko-KR" altLang="en-US" smtClean="0"/>
-              <a:t>2023-10-24</a:t>
+              <a:t>2023-10-25</a:t>
             </a:fld>
             <a:endParaRPr lang="ko-KR" altLang="en-US"/>
           </a:p>
@@ -1126,7 +1126,7 @@
           <a:p>
             <a:fld id="{0ED5DC20-0B7E-449F-A920-F729EA35E601}" type="datetimeFigureOut">
               <a:rPr lang="ko-KR" altLang="en-US" smtClean="0"/>
-              <a:t>2023-10-24</a:t>
+              <a:t>2023-10-25</a:t>
             </a:fld>
             <a:endParaRPr lang="ko-KR" altLang="en-US"/>
           </a:p>
@@ -1358,7 +1358,7 @@
           <a:p>
             <a:fld id="{0ED5DC20-0B7E-449F-A920-F729EA35E601}" type="datetimeFigureOut">
               <a:rPr lang="ko-KR" altLang="en-US" smtClean="0"/>
-              <a:t>2023-10-24</a:t>
+              <a:t>2023-10-25</a:t>
             </a:fld>
             <a:endParaRPr lang="ko-KR" altLang="en-US"/>
           </a:p>
@@ -1725,7 +1725,7 @@
           <a:p>
             <a:fld id="{0ED5DC20-0B7E-449F-A920-F729EA35E601}" type="datetimeFigureOut">
               <a:rPr lang="ko-KR" altLang="en-US" smtClean="0"/>
-              <a:t>2023-10-24</a:t>
+              <a:t>2023-10-25</a:t>
             </a:fld>
             <a:endParaRPr lang="ko-KR" altLang="en-US"/>
           </a:p>
@@ -1843,7 +1843,7 @@
           <a:p>
             <a:fld id="{0ED5DC20-0B7E-449F-A920-F729EA35E601}" type="datetimeFigureOut">
               <a:rPr lang="ko-KR" altLang="en-US" smtClean="0"/>
-              <a:t>2023-10-24</a:t>
+              <a:t>2023-10-25</a:t>
             </a:fld>
             <a:endParaRPr lang="ko-KR" altLang="en-US"/>
           </a:p>
@@ -1938,7 +1938,7 @@
           <a:p>
             <a:fld id="{0ED5DC20-0B7E-449F-A920-F729EA35E601}" type="datetimeFigureOut">
               <a:rPr lang="ko-KR" altLang="en-US" smtClean="0"/>
-              <a:t>2023-10-24</a:t>
+              <a:t>2023-10-25</a:t>
             </a:fld>
             <a:endParaRPr lang="ko-KR" altLang="en-US"/>
           </a:p>
@@ -2215,7 +2215,7 @@
           <a:p>
             <a:fld id="{0ED5DC20-0B7E-449F-A920-F729EA35E601}" type="datetimeFigureOut">
               <a:rPr lang="ko-KR" altLang="en-US" smtClean="0"/>
-              <a:t>2023-10-24</a:t>
+              <a:t>2023-10-25</a:t>
             </a:fld>
             <a:endParaRPr lang="ko-KR" altLang="en-US"/>
           </a:p>
@@ -2472,7 +2472,7 @@
           <a:p>
             <a:fld id="{0ED5DC20-0B7E-449F-A920-F729EA35E601}" type="datetimeFigureOut">
               <a:rPr lang="ko-KR" altLang="en-US" smtClean="0"/>
-              <a:t>2023-10-24</a:t>
+              <a:t>2023-10-25</a:t>
             </a:fld>
             <a:endParaRPr lang="ko-KR" altLang="en-US"/>
           </a:p>
@@ -2685,7 +2685,7 @@
           <a:p>
             <a:fld id="{0ED5DC20-0B7E-449F-A920-F729EA35E601}" type="datetimeFigureOut">
               <a:rPr lang="ko-KR" altLang="en-US" smtClean="0"/>
-              <a:t>2023-10-24</a:t>
+              <a:t>2023-10-25</a:t>
             </a:fld>
             <a:endParaRPr lang="ko-KR" altLang="en-US"/>
           </a:p>
@@ -3531,6 +3531,41 @@
           </a:p>
         </p:txBody>
       </p:sp>
+      <p:pic>
+        <p:nvPicPr>
+          <p:cNvPr id="5" name="그림 4">
+            <a:extLst>
+              <a:ext uri="{FF2B5EF4-FFF2-40B4-BE49-F238E27FC236}">
+                <a16:creationId xmlns:a16="http://schemas.microsoft.com/office/drawing/2014/main" id="{34AD2F81-31FF-45EF-8F48-955B04D03446}"/>
+              </a:ext>
+            </a:extLst>
+          </p:cNvPr>
+          <p:cNvPicPr>
+            <a:picLocks noChangeAspect="1"/>
+          </p:cNvPicPr>
+          <p:nvPr/>
+        </p:nvPicPr>
+        <p:blipFill rotWithShape="1">
+          <a:blip r:embed="rId3">
+            <a:extLst>
+              <a:ext uri="{28A0092B-C50C-407E-A947-70E740481C1C}">
+                <a14:useLocalDpi xmlns:a14="http://schemas.microsoft.com/office/drawing/2010/main" val="0"/>
+              </a:ext>
+            </a:extLst>
+          </a:blip>
+          <a:srcRect l="3672"/>
+          <a:stretch/>
+        </p:blipFill>
+        <p:spPr>
+          <a:xfrm>
+            <a:off x="0" y="5271499"/>
+            <a:ext cx="6606209" cy="4032953"/>
+          </a:xfrm>
+          <a:prstGeom prst="rect">
+            <a:avLst/>
+          </a:prstGeom>
+        </p:spPr>
+      </p:pic>
     </p:spTree>
     <p:extLst>
       <p:ext uri="{BB962C8B-B14F-4D97-AF65-F5344CB8AC3E}">
